--- a/Iteration 3/Iteration 3.pptx
+++ b/Iteration 3/Iteration 3.pptx
@@ -178,7 +178,7 @@
       </p14:sectionLst>
     </p:ext>
     <p:ext uri="{EFAFB233-063F-42B5-8137-9DF3F51BA10A}">
-      <p15:sldGuideLst xmlns:p15="http://schemas.microsoft.com/office/powerpoint/2012/main" xmlns=""/>
+      <p15:sldGuideLst xmlns="" xmlns:p15="http://schemas.microsoft.com/office/powerpoint/2012/main"/>
     </p:ext>
   </p:extLst>
 </p:presentation>
@@ -266,7 +266,7 @@
           <a:p>
             <a:fld id="{B76FFA52-9588-4076-9AFE-8F459608A011}" type="datetimeFigureOut">
               <a:rPr lang="en-US" smtClean="0"/>
-              <a:t>4/26/2016</a:t>
+              <a:t>4/27/2016</a:t>
             </a:fld>
             <a:endParaRPr lang="en-US"/>
           </a:p>
@@ -1340,7 +1340,7 @@
           <a:p>
             <a:fld id="{6D02DC71-5EE4-4946-A762-31569B1A58A7}" type="datetimeFigureOut">
               <a:rPr lang="en-US" smtClean="0"/>
-              <a:t>4/26/2016</a:t>
+              <a:t>4/27/2016</a:t>
             </a:fld>
             <a:endParaRPr lang="en-US"/>
           </a:p>
@@ -1591,7 +1591,7 @@
           <a:p>
             <a:fld id="{6D02DC71-5EE4-4946-A762-31569B1A58A7}" type="datetimeFigureOut">
               <a:rPr lang="en-US" smtClean="0"/>
-              <a:t>4/26/2016</a:t>
+              <a:t>4/27/2016</a:t>
             </a:fld>
             <a:endParaRPr lang="en-US"/>
           </a:p>
@@ -1905,7 +1905,7 @@
           <a:p>
             <a:fld id="{6D02DC71-5EE4-4946-A762-31569B1A58A7}" type="datetimeFigureOut">
               <a:rPr lang="en-US" smtClean="0"/>
-              <a:t>4/26/2016</a:t>
+              <a:t>4/27/2016</a:t>
             </a:fld>
             <a:endParaRPr lang="en-US"/>
           </a:p>
@@ -2246,7 +2246,7 @@
           <a:p>
             <a:fld id="{6D02DC71-5EE4-4946-A762-31569B1A58A7}" type="datetimeFigureOut">
               <a:rPr lang="en-US" smtClean="0"/>
-              <a:t>4/26/2016</a:t>
+              <a:t>4/27/2016</a:t>
             </a:fld>
             <a:endParaRPr lang="en-US"/>
           </a:p>
@@ -2560,7 +2560,7 @@
           <a:p>
             <a:fld id="{6D02DC71-5EE4-4946-A762-31569B1A58A7}" type="datetimeFigureOut">
               <a:rPr lang="en-US" smtClean="0"/>
-              <a:t>4/26/2016</a:t>
+              <a:t>4/27/2016</a:t>
             </a:fld>
             <a:endParaRPr lang="en-US"/>
           </a:p>
@@ -2953,7 +2953,7 @@
           <a:p>
             <a:fld id="{6D02DC71-5EE4-4946-A762-31569B1A58A7}" type="datetimeFigureOut">
               <a:rPr lang="en-US" smtClean="0"/>
-              <a:t>4/26/2016</a:t>
+              <a:t>4/27/2016</a:t>
             </a:fld>
             <a:endParaRPr lang="en-US"/>
           </a:p>
@@ -3123,7 +3123,7 @@
           <a:p>
             <a:fld id="{6D02DC71-5EE4-4946-A762-31569B1A58A7}" type="datetimeFigureOut">
               <a:rPr lang="en-US" smtClean="0"/>
-              <a:t>4/26/2016</a:t>
+              <a:t>4/27/2016</a:t>
             </a:fld>
             <a:endParaRPr lang="en-US"/>
           </a:p>
@@ -3303,7 +3303,7 @@
           <a:p>
             <a:fld id="{6D02DC71-5EE4-4946-A762-31569B1A58A7}" type="datetimeFigureOut">
               <a:rPr lang="en-US" smtClean="0"/>
-              <a:t>4/26/2016</a:t>
+              <a:t>4/27/2016</a:t>
             </a:fld>
             <a:endParaRPr lang="en-US"/>
           </a:p>
@@ -3479,7 +3479,7 @@
           <a:p>
             <a:fld id="{6D02DC71-5EE4-4946-A762-31569B1A58A7}" type="datetimeFigureOut">
               <a:rPr lang="en-US" smtClean="0"/>
-              <a:t>4/26/2016</a:t>
+              <a:t>4/27/2016</a:t>
             </a:fld>
             <a:endParaRPr lang="en-US"/>
           </a:p>
@@ -3726,7 +3726,7 @@
           <a:p>
             <a:fld id="{6D02DC71-5EE4-4946-A762-31569B1A58A7}" type="datetimeFigureOut">
               <a:rPr lang="en-US" smtClean="0"/>
-              <a:t>4/26/2016</a:t>
+              <a:t>4/27/2016</a:t>
             </a:fld>
             <a:endParaRPr lang="en-US"/>
           </a:p>
@@ -3958,7 +3958,7 @@
           <a:p>
             <a:fld id="{6D02DC71-5EE4-4946-A762-31569B1A58A7}" type="datetimeFigureOut">
               <a:rPr lang="en-US" smtClean="0"/>
-              <a:t>4/26/2016</a:t>
+              <a:t>4/27/2016</a:t>
             </a:fld>
             <a:endParaRPr lang="en-US"/>
           </a:p>
@@ -4332,7 +4332,7 @@
           <a:p>
             <a:fld id="{6D02DC71-5EE4-4946-A762-31569B1A58A7}" type="datetimeFigureOut">
               <a:rPr lang="en-US" smtClean="0"/>
-              <a:t>4/26/2016</a:t>
+              <a:t>4/27/2016</a:t>
             </a:fld>
             <a:endParaRPr lang="en-US"/>
           </a:p>
@@ -4455,7 +4455,7 @@
           <a:p>
             <a:fld id="{6D02DC71-5EE4-4946-A762-31569B1A58A7}" type="datetimeFigureOut">
               <a:rPr lang="en-US" smtClean="0"/>
-              <a:t>4/26/2016</a:t>
+              <a:t>4/27/2016</a:t>
             </a:fld>
             <a:endParaRPr lang="en-US"/>
           </a:p>
@@ -4550,7 +4550,7 @@
           <a:p>
             <a:fld id="{6D02DC71-5EE4-4946-A762-31569B1A58A7}" type="datetimeFigureOut">
               <a:rPr lang="en-US" smtClean="0"/>
-              <a:t>4/26/2016</a:t>
+              <a:t>4/27/2016</a:t>
             </a:fld>
             <a:endParaRPr lang="en-US"/>
           </a:p>
@@ -4805,7 +4805,7 @@
           <a:p>
             <a:fld id="{6D02DC71-5EE4-4946-A762-31569B1A58A7}" type="datetimeFigureOut">
               <a:rPr lang="en-US" smtClean="0"/>
-              <a:t>4/26/2016</a:t>
+              <a:t>4/27/2016</a:t>
             </a:fld>
             <a:endParaRPr lang="en-US"/>
           </a:p>
@@ -5068,7 +5068,7 @@
           <a:p>
             <a:fld id="{6D02DC71-5EE4-4946-A762-31569B1A58A7}" type="datetimeFigureOut">
               <a:rPr lang="en-US" smtClean="0"/>
-              <a:t>4/26/2016</a:t>
+              <a:t>4/27/2016</a:t>
             </a:fld>
             <a:endParaRPr lang="en-US"/>
           </a:p>
@@ -5811,7 +5811,7 @@
           <a:p>
             <a:fld id="{6D02DC71-5EE4-4946-A762-31569B1A58A7}" type="datetimeFigureOut">
               <a:rPr lang="en-US" smtClean="0"/>
-              <a:t>4/26/2016</a:t>
+              <a:t>4/27/2016</a:t>
             </a:fld>
             <a:endParaRPr lang="en-US"/>
           </a:p>
@@ -7556,13 +7556,7 @@
               <a:rPr lang="en-US" b="1" dirty="0" smtClean="0">
                 <a:latin typeface="Calibri" panose="020F0502020204030204" pitchFamily="34" charset="0"/>
               </a:rPr>
-              <a:t>7: </a:t>
-            </a:r>
-            <a:r>
-              <a:rPr lang="en-US" b="1" dirty="0" smtClean="0">
-                <a:latin typeface="Calibri" panose="020F0502020204030204" pitchFamily="34" charset="0"/>
-              </a:rPr>
-              <a:t>UPDATE EVENT</a:t>
+              <a:t>7: UPDATE EVENT</a:t>
             </a:r>
             <a:r>
               <a:rPr lang="en-US" b="1" dirty="0">
@@ -7696,13 +7690,7 @@
               <a:rPr lang="en-US" b="1" dirty="0" smtClean="0">
                 <a:latin typeface="Calibri" panose="020F0502020204030204" pitchFamily="34" charset="0"/>
               </a:rPr>
-              <a:t>Contract </a:t>
-            </a:r>
-            <a:r>
-              <a:rPr lang="en-US" b="1" dirty="0" smtClean="0">
-                <a:latin typeface="Calibri" panose="020F0502020204030204" pitchFamily="34" charset="0"/>
-              </a:rPr>
-              <a:t>8: DELETE EVENT</a:t>
+              <a:t>Contract 8: DELETE EVENT</a:t>
             </a:r>
             <a:r>
               <a:rPr lang="en-US" b="1" dirty="0">
@@ -9539,7 +9527,7 @@
       </p:grpSpPr>
       <p:pic>
         <p:nvPicPr>
-          <p:cNvPr id="13315" name="Picture 3" descr="C:\Users\Niveditha\Desktop\Class Diagram2.jpg"/>
+          <p:cNvPr id="1026" name="Picture 2" descr="C:\Users\Niveditha\Desktop\Class Diagram2.jpg"/>
           <p:cNvPicPr>
             <a:picLocks noChangeAspect="1" noChangeArrowheads="1"/>
           </p:cNvPicPr>
@@ -9560,8 +9548,8 @@
         </p:blipFill>
         <p:spPr bwMode="auto">
           <a:xfrm>
-            <a:off x="114299" y="114300"/>
-            <a:ext cx="11906251" cy="6686550"/>
+            <a:off x="220717" y="252249"/>
+            <a:ext cx="11571889" cy="6369268"/>
           </a:xfrm>
           <a:prstGeom prst="rect">
             <a:avLst/>
@@ -10234,12 +10222,6 @@
               </a:rPr>
               <a:t>USE CASE </a:t>
             </a:r>
-            <a:r>
-              <a:rPr lang="en-US" b="1" dirty="0" smtClean="0">
-                <a:latin typeface="Calibri" panose="020F0502020204030204" pitchFamily="34" charset="0"/>
-              </a:rPr>
-              <a:t/>
-            </a:r>
             <a:br>
               <a:rPr lang="en-US" b="1" dirty="0" smtClean="0">
                 <a:latin typeface="Calibri" panose="020F0502020204030204" pitchFamily="34" charset="0"/>
@@ -10348,13 +10330,7 @@
               <a:rPr lang="en-US" b="1" dirty="0" smtClean="0">
                 <a:latin typeface="Calibri" panose="020F0502020204030204" pitchFamily="34" charset="0"/>
               </a:rPr>
-              <a:t>USE CASES- ITERATION </a:t>
-            </a:r>
-            <a:r>
-              <a:rPr lang="en-US" b="1" dirty="0" smtClean="0">
-                <a:latin typeface="Calibri" panose="020F0502020204030204" pitchFamily="34" charset="0"/>
-              </a:rPr>
-              <a:t>3</a:t>
+              <a:t>USE CASES- ITERATION 3</a:t>
             </a:r>
             <a:endParaRPr lang="en-US" b="1" dirty="0">
               <a:latin typeface="Calibri" panose="020F0502020204030204" pitchFamily="34" charset="0"/>
@@ -10399,9 +10375,6 @@
               </a:rPr>
               <a:t>UPDATE EVENT</a:t>
             </a:r>
-            <a:endParaRPr lang="en-US" b="1" dirty="0" smtClean="0">
-              <a:latin typeface="Calibri" panose="020F0502020204030204" pitchFamily="34" charset="0"/>
-            </a:endParaRPr>
           </a:p>
           <a:p>
             <a:r>
@@ -11050,7 +11023,7 @@
   <a:extraClrSchemeLst/>
   <a:extLst>
     <a:ext uri="{05A4C25C-085E-4340-85A3-A5531E510DB2}">
-      <thm15:themeFamily xmlns:thm15="http://schemas.microsoft.com/office/thememl/2012/main" xmlns="" name="Facet" id="{C0C680CD-088A-49FC-A102-D699147F32B2}" vid="{CFBC31BA-B70F-4F30-BCAA-4F3011E16C4D}"/>
+      <thm15:themeFamily xmlns="" xmlns:thm15="http://schemas.microsoft.com/office/thememl/2012/main" name="Facet" id="{C0C680CD-088A-49FC-A102-D699147F32B2}" vid="{CFBC31BA-B70F-4F30-BCAA-4F3011E16C4D}"/>
     </a:ext>
   </a:extLst>
 </a:theme>
